--- a/2019-10-4/ppt/布局.pptx
+++ b/2019-10-4/ppt/布局.pptx
@@ -43,6 +43,8 @@
     <p:sldId id="288" r:id="rId40"/>
     <p:sldId id="289" r:id="rId41"/>
     <p:sldId id="290" r:id="rId42"/>
+    <p:sldId id="291" r:id="rId43"/>
+    <p:sldId id="292" r:id="rId44"/>
   </p:sldIdLst>
   <p:sldSz cx="13004800" cy="9753600"/>
   <p:notesSz cx="6858000" cy="9144000"/>
@@ -3903,54 +3905,35 @@
           <a:chExt cx="0" cy="0"/>
         </a:xfrm>
       </p:grpSpPr>
-      <p:sp>
-        <p:nvSpPr>
-          <p:cNvPr id="219" name="flex 布局"/>
-          <p:cNvSpPr txBox="1"/>
-          <p:nvPr>
-            <p:ph type="title"/>
-          </p:nvPr>
-        </p:nvSpPr>
-        <p:spPr>
-          <a:prstGeom prst="rect">
-            <a:avLst/>
-          </a:prstGeom>
-        </p:spPr>
-        <p:txBody>
-          <a:bodyPr/>
-          <a:lstStyle/>
-          <a:p>
-            <a:pPr/>
-            <a:r>
-              <a:t>flex 布局</a:t>
-            </a:r>
-          </a:p>
-        </p:txBody>
-      </p:sp>
-      <p:sp>
-        <p:nvSpPr>
-          <p:cNvPr id="220" name="弹性盒子布局"/>
-          <p:cNvSpPr txBox="1"/>
-          <p:nvPr>
-            <p:ph type="body" idx="1"/>
-          </p:nvPr>
-        </p:nvSpPr>
-        <p:spPr>
-          <a:prstGeom prst="rect">
-            <a:avLst/>
-          </a:prstGeom>
-        </p:spPr>
-        <p:txBody>
-          <a:bodyPr/>
-          <a:lstStyle/>
-          <a:p>
-            <a:pPr/>
-            <a:r>
-              <a:t>弹性盒子布局</a:t>
-            </a:r>
-          </a:p>
-        </p:txBody>
-      </p:sp>
+      <p:pic>
+        <p:nvPicPr>
+          <p:cNvPr id="219" name="11.png" descr="11.png"/>
+          <p:cNvPicPr>
+            <a:picLocks noChangeAspect="1"/>
+          </p:cNvPicPr>
+          <p:nvPr/>
+        </p:nvPicPr>
+        <p:blipFill>
+          <a:blip r:embed="rId2">
+            <a:extLst/>
+          </a:blip>
+          <a:stretch>
+            <a:fillRect/>
+          </a:stretch>
+        </p:blipFill>
+        <p:spPr>
+          <a:xfrm>
+            <a:off x="996950" y="241300"/>
+            <a:ext cx="11010900" cy="9271000"/>
+          </a:xfrm>
+          <a:prstGeom prst="rect">
+            <a:avLst/>
+          </a:prstGeom>
+          <a:ln w="12700">
+            <a:miter lim="400000"/>
+          </a:ln>
+        </p:spPr>
+      </p:pic>
     </p:spTree>
   </p:cSld>
   <p:clrMapOvr>
@@ -3979,7 +3962,7 @@
       </p:grpSpPr>
       <p:sp>
         <p:nvSpPr>
-          <p:cNvPr id="222" name="display:flex"/>
+          <p:cNvPr id="221" name="flex 布局"/>
           <p:cNvSpPr txBox="1"/>
           <p:nvPr>
             <p:ph type="title"/>
@@ -3996,20 +3979,24 @@
           <a:p>
             <a:pPr/>
             <a:r>
-              <a:t>display:flex</a:t>
-            </a:r>
-          </a:p>
-        </p:txBody>
-      </p:sp>
-      <p:sp>
-        <p:nvSpPr>
-          <p:cNvPr id="223" name="将元素变为 flexbox…"/>
+              <a:t>flex 布局</a:t>
+            </a:r>
+          </a:p>
+        </p:txBody>
+      </p:sp>
+      <p:sp>
+        <p:nvSpPr>
+          <p:cNvPr id="222" name="弹性盒子布局"/>
           <p:cNvSpPr txBox="1"/>
           <p:nvPr>
             <p:ph type="body" idx="1"/>
           </p:nvPr>
         </p:nvSpPr>
         <p:spPr>
+          <a:xfrm>
+            <a:off x="1155106" y="-346994"/>
+            <a:ext cx="11099801" cy="6286501"/>
+          </a:xfrm>
           <a:prstGeom prst="rect">
             <a:avLst/>
           </a:prstGeom>
@@ -4020,17 +4007,40 @@
           <a:p>
             <a:pPr/>
             <a:r>
-              <a:t>将元素变为 flexbox</a:t>
-            </a:r>
-          </a:p>
-          <a:p>
-            <a:pPr/>
-            <a:r>
-              <a:t>子元素在水平或者垂直方向如何排列</a:t>
-            </a:r>
-          </a:p>
-        </p:txBody>
-      </p:sp>
+              <a:t>弹性盒子布局</a:t>
+            </a:r>
+          </a:p>
+        </p:txBody>
+      </p:sp>
+      <p:pic>
+        <p:nvPicPr>
+          <p:cNvPr id="223" name="3.png" descr="3.png"/>
+          <p:cNvPicPr>
+            <a:picLocks noChangeAspect="1"/>
+          </p:cNvPicPr>
+          <p:nvPr/>
+        </p:nvPicPr>
+        <p:blipFill>
+          <a:blip r:embed="rId2">
+            <a:extLst/>
+          </a:blip>
+          <a:stretch>
+            <a:fillRect/>
+          </a:stretch>
+        </p:blipFill>
+        <p:spPr>
+          <a:xfrm>
+            <a:off x="1588204" y="3876288"/>
+            <a:ext cx="9347201" cy="4432301"/>
+          </a:xfrm>
+          <a:prstGeom prst="rect">
+            <a:avLst/>
+          </a:prstGeom>
+          <a:ln w="12700">
+            <a:miter lim="400000"/>
+          </a:ln>
+        </p:spPr>
+      </p:pic>
     </p:spTree>
   </p:cSld>
   <p:clrMapOvr>
@@ -4059,7 +4069,7 @@
       </p:grpSpPr>
       <p:sp>
         <p:nvSpPr>
-          <p:cNvPr id="225" name="父容器属性"/>
+          <p:cNvPr id="225" name="display:flex"/>
           <p:cNvSpPr txBox="1"/>
           <p:nvPr>
             <p:ph type="title"/>
@@ -4076,14 +4086,14 @@
           <a:p>
             <a:pPr/>
             <a:r>
-              <a:t>父容器属性</a:t>
-            </a:r>
-          </a:p>
-        </p:txBody>
-      </p:sp>
-      <p:sp>
-        <p:nvSpPr>
-          <p:cNvPr id="226" name="flex-direction  主轴的方向…"/>
+              <a:t>display:flex</a:t>
+            </a:r>
+          </a:p>
+        </p:txBody>
+      </p:sp>
+      <p:sp>
+        <p:nvSpPr>
+          <p:cNvPr id="226" name="将元素变为 flexbox…"/>
           <p:cNvSpPr txBox="1"/>
           <p:nvPr>
             <p:ph type="body" idx="1"/>
@@ -4100,37 +4110,13 @@
           <a:p>
             <a:pPr/>
             <a:r>
-              <a:t>flex-direction  主轴的方向</a:t>
-            </a:r>
-          </a:p>
-          <a:p>
-            <a:pPr/>
-            <a:r>
-              <a:t>flex-wrap</a:t>
-            </a:r>
-          </a:p>
-          <a:p>
-            <a:pPr/>
-            <a:r>
-              <a:t>flex-flow</a:t>
-            </a:r>
-          </a:p>
-          <a:p>
-            <a:pPr/>
-            <a:r>
-              <a:t>justify-content</a:t>
-            </a:r>
-          </a:p>
-          <a:p>
-            <a:pPr/>
-            <a:r>
-              <a:t>align-items</a:t>
-            </a:r>
-          </a:p>
-          <a:p>
-            <a:pPr/>
-            <a:r>
-              <a:t>align-content</a:t>
+              <a:t>将元素变为 flexbox</a:t>
+            </a:r>
+          </a:p>
+          <a:p>
+            <a:pPr/>
+            <a:r>
+              <a:t>子元素在水平或者垂直方向如何排列</a:t>
             </a:r>
           </a:p>
         </p:txBody>
@@ -4319,17 +4305,13 @@
       </p:grpSpPr>
       <p:sp>
         <p:nvSpPr>
-          <p:cNvPr id="228" name="flex-direction"/>
+          <p:cNvPr id="228" name="父容器属性"/>
           <p:cNvSpPr txBox="1"/>
           <p:nvPr>
             <p:ph type="title"/>
           </p:nvPr>
         </p:nvSpPr>
         <p:spPr>
-          <a:xfrm>
-            <a:off x="952500" y="-25400"/>
-            <a:ext cx="11099800" cy="2159000"/>
-          </a:xfrm>
           <a:prstGeom prst="rect">
             <a:avLst/>
           </a:prstGeom>
@@ -4340,14 +4322,14 @@
           <a:p>
             <a:pPr/>
             <a:r>
-              <a:t>flex-direction</a:t>
-            </a:r>
-          </a:p>
-        </p:txBody>
-      </p:sp>
-      <p:sp>
-        <p:nvSpPr>
-          <p:cNvPr id="229" name="确定主轴…"/>
+              <a:t>父容器属性</a:t>
+            </a:r>
+          </a:p>
+        </p:txBody>
+      </p:sp>
+      <p:sp>
+        <p:nvSpPr>
+          <p:cNvPr id="229" name="flex-direction  主轴的方向…"/>
           <p:cNvSpPr txBox="1"/>
           <p:nvPr>
             <p:ph type="body" idx="1"/>
@@ -4355,8 +4337,8 @@
         </p:nvSpPr>
         <p:spPr>
           <a:xfrm>
-            <a:off x="952500" y="431800"/>
-            <a:ext cx="11099800" cy="6286500"/>
+            <a:off x="952500" y="2597150"/>
+            <a:ext cx="11099801" cy="6286500"/>
           </a:xfrm>
           <a:prstGeom prst="rect">
             <a:avLst/>
@@ -4368,64 +4350,41 @@
           <a:p>
             <a:pPr/>
             <a:r>
-              <a:t>确定主轴 </a:t>
-            </a:r>
-          </a:p>
-          <a:p>
-            <a:pPr/>
-            <a:r>
-              <a:t>子元素排列方向</a:t>
-            </a:r>
-          </a:p>
-          <a:p>
-            <a:pPr/>
-            <a:r>
-              <a:t> </a:t>
-            </a:r>
-            <a:r>
-              <a:rPr>
-                <a:latin typeface="Helvetica"/>
-                <a:ea typeface="Helvetica"/>
-                <a:cs typeface="Helvetica"/>
-                <a:sym typeface="Helvetica"/>
-              </a:rPr>
-              <a:t>取值：</a:t>
-            </a:r>
-            <a:r>
-              <a:t>row | row-reverse | column | column-reverse</a:t>
-            </a:r>
-          </a:p>
-        </p:txBody>
-      </p:sp>
-      <p:pic>
-        <p:nvPicPr>
-          <p:cNvPr id="230" name="1.png" descr="1.png"/>
-          <p:cNvPicPr>
-            <a:picLocks noChangeAspect="1"/>
-          </p:cNvPicPr>
-          <p:nvPr/>
-        </p:nvPicPr>
-        <p:blipFill>
-          <a:blip r:embed="rId2">
-            <a:extLst/>
-          </a:blip>
-          <a:stretch>
-            <a:fillRect/>
-          </a:stretch>
-        </p:blipFill>
-        <p:spPr>
-          <a:xfrm>
-            <a:off x="1543050" y="5264150"/>
-            <a:ext cx="9258300" cy="4038600"/>
-          </a:xfrm>
-          <a:prstGeom prst="rect">
-            <a:avLst/>
-          </a:prstGeom>
-          <a:ln w="12700">
-            <a:miter lim="400000"/>
-          </a:ln>
-        </p:spPr>
-      </p:pic>
+              <a:t>flex-direction  主轴的方向</a:t>
+            </a:r>
+          </a:p>
+          <a:p>
+            <a:pPr/>
+            <a:r>
+              <a:t>flex-wrap</a:t>
+            </a:r>
+          </a:p>
+          <a:p>
+            <a:pPr/>
+            <a:r>
+              <a:t>flex-flow</a:t>
+            </a:r>
+          </a:p>
+          <a:p>
+            <a:pPr/>
+            <a:r>
+              <a:t>justify-content</a:t>
+            </a:r>
+          </a:p>
+          <a:p>
+            <a:pPr/>
+            <a:r>
+              <a:t>align-items</a:t>
+            </a:r>
+          </a:p>
+          <a:p>
+            <a:pPr/>
+            <a:r>
+              <a:t>align-content</a:t>
+            </a:r>
+          </a:p>
+        </p:txBody>
+      </p:sp>
     </p:spTree>
   </p:cSld>
   <p:clrMapOvr>
@@ -4454,7 +4413,7 @@
       </p:grpSpPr>
       <p:sp>
         <p:nvSpPr>
-          <p:cNvPr id="232" name="flex-wrap"/>
+          <p:cNvPr id="231" name="flex-direction"/>
           <p:cNvSpPr txBox="1"/>
           <p:nvPr>
             <p:ph type="title"/>
@@ -4462,7 +4421,7 @@
         </p:nvSpPr>
         <p:spPr>
           <a:xfrm>
-            <a:off x="952500" y="-266700"/>
+            <a:off x="952500" y="-25400"/>
             <a:ext cx="11099800" cy="2159000"/>
           </a:xfrm>
           <a:prstGeom prst="rect">
@@ -4475,14 +4434,14 @@
           <a:p>
             <a:pPr/>
             <a:r>
-              <a:t>flex-wrap</a:t>
-            </a:r>
-          </a:p>
-        </p:txBody>
-      </p:sp>
-      <p:sp>
-        <p:nvSpPr>
-          <p:cNvPr id="233" name="子元素在主轴方向排列 是否换行…"/>
+              <a:t>flex-direction</a:t>
+            </a:r>
+          </a:p>
+        </p:txBody>
+      </p:sp>
+      <p:sp>
+        <p:nvSpPr>
+          <p:cNvPr id="232" name="确定主轴…"/>
           <p:cNvSpPr txBox="1"/>
           <p:nvPr>
             <p:ph type="body" idx="1"/>
@@ -4490,7 +4449,7 @@
         </p:nvSpPr>
         <p:spPr>
           <a:xfrm>
-            <a:off x="952500" y="787400"/>
+            <a:off x="952500" y="431800"/>
             <a:ext cx="11099800" cy="6286500"/>
           </a:xfrm>
           <a:prstGeom prst="rect">
@@ -4503,26 +4462,38 @@
           <a:p>
             <a:pPr/>
             <a:r>
-              <a:t>子元素在主轴方向排列 是否换行</a:t>
-            </a:r>
-          </a:p>
-          <a:p>
-            <a:pPr/>
-            <a:r>
-              <a:t> 取值：nowrap | wrap | wrap-reverse;</a:t>
-            </a:r>
-          </a:p>
-          <a:p>
-            <a:pPr/>
-            <a:r>
-              <a:t>默认值 nowrap</a:t>
+              <a:t>确定主轴 </a:t>
+            </a:r>
+          </a:p>
+          <a:p>
+            <a:pPr/>
+            <a:r>
+              <a:t>子元素排列方向</a:t>
+            </a:r>
+          </a:p>
+          <a:p>
+            <a:pPr/>
+            <a:r>
+              <a:t> </a:t>
+            </a:r>
+            <a:r>
+              <a:rPr>
+                <a:latin typeface="Helvetica"/>
+                <a:ea typeface="Helvetica"/>
+                <a:cs typeface="Helvetica"/>
+                <a:sym typeface="Helvetica"/>
+              </a:rPr>
+              <a:t>取值：</a:t>
+            </a:r>
+            <a:r>
+              <a:t>row | row-reverse | column | column-reverse</a:t>
             </a:r>
           </a:p>
         </p:txBody>
       </p:sp>
       <p:pic>
         <p:nvPicPr>
-          <p:cNvPr id="234" name="1.png" descr="1.png"/>
+          <p:cNvPr id="233" name="1.png" descr="1.png"/>
           <p:cNvPicPr>
             <a:picLocks noChangeAspect="1"/>
           </p:cNvPicPr>
@@ -4538,8 +4509,8 @@
         </p:blipFill>
         <p:spPr>
           <a:xfrm>
-            <a:off x="2991706" y="5702250"/>
-            <a:ext cx="7021388" cy="3429050"/>
+            <a:off x="1543050" y="5264150"/>
+            <a:ext cx="9258300" cy="4038600"/>
           </a:xfrm>
           <a:prstGeom prst="rect">
             <a:avLst/>
@@ -4577,13 +4548,17 @@
       </p:grpSpPr>
       <p:sp>
         <p:nvSpPr>
-          <p:cNvPr id="236" name="flex-flow"/>
+          <p:cNvPr id="235" name="flex-wrap"/>
           <p:cNvSpPr txBox="1"/>
           <p:nvPr>
             <p:ph type="title"/>
           </p:nvPr>
         </p:nvSpPr>
         <p:spPr>
+          <a:xfrm>
+            <a:off x="952500" y="-266700"/>
+            <a:ext cx="11099800" cy="2159000"/>
+          </a:xfrm>
           <a:prstGeom prst="rect">
             <a:avLst/>
           </a:prstGeom>
@@ -4594,20 +4569,24 @@
           <a:p>
             <a:pPr/>
             <a:r>
-              <a:t>flex-flow</a:t>
-            </a:r>
-          </a:p>
-        </p:txBody>
-      </p:sp>
-      <p:sp>
-        <p:nvSpPr>
-          <p:cNvPr id="237" name="这是 flex-direction 和 flex-wrap 属性的缩写形式"/>
+              <a:t>flex-wrap</a:t>
+            </a:r>
+          </a:p>
+        </p:txBody>
+      </p:sp>
+      <p:sp>
+        <p:nvSpPr>
+          <p:cNvPr id="236" name="子元素在主轴方向排列 是否换行…"/>
           <p:cNvSpPr txBox="1"/>
           <p:nvPr>
             <p:ph type="body" idx="1"/>
           </p:nvPr>
         </p:nvSpPr>
         <p:spPr>
+          <a:xfrm>
+            <a:off x="952500" y="787400"/>
+            <a:ext cx="11099800" cy="6286500"/>
+          </a:xfrm>
           <a:prstGeom prst="rect">
             <a:avLst/>
           </a:prstGeom>
@@ -4618,11 +4597,52 @@
           <a:p>
             <a:pPr/>
             <a:r>
-              <a:t> 这是 flex-direction 和 flex-wrap 属性的缩写形式</a:t>
-            </a:r>
-          </a:p>
-        </p:txBody>
-      </p:sp>
+              <a:t>子元素在主轴方向排列 是否换行</a:t>
+            </a:r>
+          </a:p>
+          <a:p>
+            <a:pPr/>
+            <a:r>
+              <a:t> 取值：nowrap | wrap | wrap-reverse;</a:t>
+            </a:r>
+          </a:p>
+          <a:p>
+            <a:pPr/>
+            <a:r>
+              <a:t>默认值 nowrap</a:t>
+            </a:r>
+          </a:p>
+        </p:txBody>
+      </p:sp>
+      <p:pic>
+        <p:nvPicPr>
+          <p:cNvPr id="237" name="1.png" descr="1.png"/>
+          <p:cNvPicPr>
+            <a:picLocks noChangeAspect="1"/>
+          </p:cNvPicPr>
+          <p:nvPr/>
+        </p:nvPicPr>
+        <p:blipFill>
+          <a:blip r:embed="rId2">
+            <a:extLst/>
+          </a:blip>
+          <a:stretch>
+            <a:fillRect/>
+          </a:stretch>
+        </p:blipFill>
+        <p:spPr>
+          <a:xfrm>
+            <a:off x="2991706" y="5702250"/>
+            <a:ext cx="7021388" cy="3429050"/>
+          </a:xfrm>
+          <a:prstGeom prst="rect">
+            <a:avLst/>
+          </a:prstGeom>
+          <a:ln w="12700">
+            <a:miter lim="400000"/>
+          </a:ln>
+        </p:spPr>
+      </p:pic>
     </p:spTree>
   </p:cSld>
   <p:clrMapOvr>
@@ -4651,7 +4671,7 @@
       </p:grpSpPr>
       <p:sp>
         <p:nvSpPr>
-          <p:cNvPr id="239" name="justify-content"/>
+          <p:cNvPr id="239" name="flex-flow"/>
           <p:cNvSpPr txBox="1"/>
           <p:nvPr>
             <p:ph type="title"/>
@@ -4668,14 +4688,14 @@
           <a:p>
             <a:pPr/>
             <a:r>
-              <a:t>justify-content</a:t>
-            </a:r>
-          </a:p>
-        </p:txBody>
-      </p:sp>
-      <p:sp>
-        <p:nvSpPr>
-          <p:cNvPr id="240" name="子元素沿主轴方向的对齐方式。…"/>
+              <a:t>flex-flow</a:t>
+            </a:r>
+          </a:p>
+        </p:txBody>
+      </p:sp>
+      <p:sp>
+        <p:nvSpPr>
+          <p:cNvPr id="240" name="这是 flex-direction 和 flex-wrap 属性的缩写形式"/>
           <p:cNvSpPr txBox="1"/>
           <p:nvPr>
             <p:ph type="body" idx="1"/>
@@ -4692,30 +4712,7 @@
           <a:p>
             <a:pPr/>
             <a:r>
-              <a:t> 子元素沿主轴方向的对齐方式。</a:t>
-            </a:r>
-          </a:p>
-          <a:p>
-            <a:pPr/>
-            <a:r>
-              <a:t> 取值：flex-start | flex-</a:t>
-            </a:r>
-            <a:r>
-              <a:rPr>
-                <a:solidFill>
-                  <a:srgbClr val="4FC1E9"/>
-                </a:solidFill>
-              </a:rPr>
-              <a:t>end</a:t>
-            </a:r>
-            <a:r>
-              <a:t> | center | space-between | space-around </a:t>
-            </a:r>
-          </a:p>
-          <a:p>
-            <a:pPr/>
-            <a:r>
-              <a:t>默认值：flex-start</a:t>
+              <a:t> 这是 flex-direction 和 flex-wrap 属性的缩写形式</a:t>
             </a:r>
           </a:p>
         </p:txBody>
@@ -4746,64 +4743,77 @@
           <a:chExt cx="0" cy="0"/>
         </a:xfrm>
       </p:grpSpPr>
-      <p:pic>
-        <p:nvPicPr>
-          <p:cNvPr id="242" name="1.png" descr="1.png"/>
-          <p:cNvPicPr>
-            <a:picLocks noChangeAspect="1"/>
-          </p:cNvPicPr>
-          <p:nvPr/>
-        </p:nvPicPr>
-        <p:blipFill>
-          <a:blip r:embed="rId2">
-            <a:extLst/>
-          </a:blip>
-          <a:stretch>
-            <a:fillRect/>
-          </a:stretch>
-        </p:blipFill>
-        <p:spPr>
-          <a:xfrm>
-            <a:off x="2776584" y="261727"/>
-            <a:ext cx="6608620" cy="5338439"/>
-          </a:xfrm>
-          <a:prstGeom prst="rect">
-            <a:avLst/>
-          </a:prstGeom>
-          <a:ln w="12700">
-            <a:miter lim="400000"/>
-          </a:ln>
-        </p:spPr>
-      </p:pic>
-      <p:pic>
-        <p:nvPicPr>
-          <p:cNvPr id="243" name="1.png" descr="1.png"/>
-          <p:cNvPicPr>
-            <a:picLocks noChangeAspect="1"/>
-          </p:cNvPicPr>
-          <p:nvPr/>
-        </p:nvPicPr>
-        <p:blipFill>
-          <a:blip r:embed="rId3">
-            <a:extLst/>
-          </a:blip>
-          <a:stretch>
-            <a:fillRect/>
-          </a:stretch>
-        </p:blipFill>
-        <p:spPr>
-          <a:xfrm>
-            <a:off x="2768600" y="5598942"/>
-            <a:ext cx="6624588" cy="3695536"/>
-          </a:xfrm>
-          <a:prstGeom prst="rect">
-            <a:avLst/>
-          </a:prstGeom>
-          <a:ln w="12700">
-            <a:miter lim="400000"/>
-          </a:ln>
-        </p:spPr>
-      </p:pic>
+      <p:sp>
+        <p:nvSpPr>
+          <p:cNvPr id="242" name="justify-content"/>
+          <p:cNvSpPr txBox="1"/>
+          <p:nvPr>
+            <p:ph type="title"/>
+          </p:nvPr>
+        </p:nvSpPr>
+        <p:spPr>
+          <a:prstGeom prst="rect">
+            <a:avLst/>
+          </a:prstGeom>
+        </p:spPr>
+        <p:txBody>
+          <a:bodyPr/>
+          <a:lstStyle/>
+          <a:p>
+            <a:pPr/>
+            <a:r>
+              <a:t>justify-content</a:t>
+            </a:r>
+          </a:p>
+        </p:txBody>
+      </p:sp>
+      <p:sp>
+        <p:nvSpPr>
+          <p:cNvPr id="243" name="子元素沿主轴方向的对齐方式。…"/>
+          <p:cNvSpPr txBox="1"/>
+          <p:nvPr>
+            <p:ph type="body" idx="1"/>
+          </p:nvPr>
+        </p:nvSpPr>
+        <p:spPr>
+          <a:prstGeom prst="rect">
+            <a:avLst/>
+          </a:prstGeom>
+        </p:spPr>
+        <p:txBody>
+          <a:bodyPr/>
+          <a:lstStyle/>
+          <a:p>
+            <a:pPr/>
+            <a:r>
+              <a:t> 子元素沿主轴方向的对齐方式。</a:t>
+            </a:r>
+          </a:p>
+          <a:p>
+            <a:pPr/>
+            <a:r>
+              <a:t> 取值：flex-start | flex-</a:t>
+            </a:r>
+            <a:r>
+              <a:rPr>
+                <a:solidFill>
+                  <a:srgbClr val="4FC1E9"/>
+                </a:solidFill>
+              </a:rPr>
+              <a:t>end</a:t>
+            </a:r>
+            <a:r>
+              <a:t> | center | space-between | space-around </a:t>
+            </a:r>
+          </a:p>
+          <a:p>
+            <a:pPr/>
+            <a:r>
+              <a:t>默认值：flex-start</a:t>
+            </a:r>
+          </a:p>
+        </p:txBody>
+      </p:sp>
     </p:spTree>
   </p:cSld>
   <p:clrMapOvr>
@@ -4830,78 +4840,64 @@
           <a:chExt cx="0" cy="0"/>
         </a:xfrm>
       </p:grpSpPr>
-      <p:sp>
-        <p:nvSpPr>
-          <p:cNvPr id="245" name="align-items"/>
-          <p:cNvSpPr txBox="1"/>
-          <p:nvPr>
-            <p:ph type="title"/>
-          </p:nvPr>
-        </p:nvSpPr>
-        <p:spPr>
-          <a:prstGeom prst="rect">
-            <a:avLst/>
-          </a:prstGeom>
-        </p:spPr>
-        <p:txBody>
-          <a:bodyPr/>
-          <a:lstStyle/>
-          <a:p>
-            <a:pPr/>
-            <a:r>
-              <a:t>align-items</a:t>
-            </a:r>
-          </a:p>
-        </p:txBody>
-      </p:sp>
-      <p:sp>
-        <p:nvSpPr>
-          <p:cNvPr id="246" name="子元素 在交叉轴方向的对齐方式…"/>
-          <p:cNvSpPr txBox="1"/>
-          <p:nvPr>
-            <p:ph type="body" idx="1"/>
-          </p:nvPr>
-        </p:nvSpPr>
-        <p:spPr>
-          <a:prstGeom prst="rect">
-            <a:avLst/>
-          </a:prstGeom>
-        </p:spPr>
-        <p:txBody>
-          <a:bodyPr/>
-          <a:lstStyle/>
-          <a:p>
-            <a:pPr/>
-            <a:r>
-              <a:t>子元素 在交叉轴方向的对齐方式</a:t>
-            </a:r>
-          </a:p>
-          <a:p>
-            <a:pPr/>
-            <a:r>
-              <a:t> </a:t>
-            </a:r>
-            <a:r>
-              <a:rPr>
-                <a:latin typeface="Helvetica"/>
-                <a:ea typeface="Helvetica"/>
-                <a:cs typeface="Helvetica"/>
-                <a:sym typeface="Helvetica"/>
-              </a:rPr>
-              <a:t>取值：</a:t>
-            </a:r>
-            <a:r>
-              <a:t>flex-start | flex-end | center | baseline | stretch</a:t>
-            </a:r>
-          </a:p>
-          <a:p>
-            <a:pPr/>
-            <a:r>
-              <a:t>默认值 stretch</a:t>
-            </a:r>
-          </a:p>
-        </p:txBody>
-      </p:sp>
+      <p:pic>
+        <p:nvPicPr>
+          <p:cNvPr id="245" name="1.png" descr="1.png"/>
+          <p:cNvPicPr>
+            <a:picLocks noChangeAspect="1"/>
+          </p:cNvPicPr>
+          <p:nvPr/>
+        </p:nvPicPr>
+        <p:blipFill>
+          <a:blip r:embed="rId2">
+            <a:extLst/>
+          </a:blip>
+          <a:stretch>
+            <a:fillRect/>
+          </a:stretch>
+        </p:blipFill>
+        <p:spPr>
+          <a:xfrm>
+            <a:off x="2776584" y="261727"/>
+            <a:ext cx="6608620" cy="5338439"/>
+          </a:xfrm>
+          <a:prstGeom prst="rect">
+            <a:avLst/>
+          </a:prstGeom>
+          <a:ln w="12700">
+            <a:miter lim="400000"/>
+          </a:ln>
+        </p:spPr>
+      </p:pic>
+      <p:pic>
+        <p:nvPicPr>
+          <p:cNvPr id="246" name="1.png" descr="1.png"/>
+          <p:cNvPicPr>
+            <a:picLocks noChangeAspect="1"/>
+          </p:cNvPicPr>
+          <p:nvPr/>
+        </p:nvPicPr>
+        <p:blipFill>
+          <a:blip r:embed="rId3">
+            <a:extLst/>
+          </a:blip>
+          <a:stretch>
+            <a:fillRect/>
+          </a:stretch>
+        </p:blipFill>
+        <p:spPr>
+          <a:xfrm>
+            <a:off x="2768600" y="5598942"/>
+            <a:ext cx="6624588" cy="3695536"/>
+          </a:xfrm>
+          <a:prstGeom prst="rect">
+            <a:avLst/>
+          </a:prstGeom>
+          <a:ln w="12700">
+            <a:miter lim="400000"/>
+          </a:ln>
+        </p:spPr>
+      </p:pic>
     </p:spTree>
   </p:cSld>
   <p:clrMapOvr>
@@ -4928,64 +4924,78 @@
           <a:chExt cx="0" cy="0"/>
         </a:xfrm>
       </p:grpSpPr>
-      <p:pic>
-        <p:nvPicPr>
-          <p:cNvPr id="248" name="1.png" descr="1.png"/>
-          <p:cNvPicPr>
-            <a:picLocks noChangeAspect="1"/>
-          </p:cNvPicPr>
-          <p:nvPr/>
-        </p:nvPicPr>
-        <p:blipFill>
-          <a:blip r:embed="rId2">
-            <a:extLst/>
-          </a:blip>
-          <a:stretch>
-            <a:fillRect/>
-          </a:stretch>
-        </p:blipFill>
-        <p:spPr>
-          <a:xfrm>
-            <a:off x="2874326" y="453140"/>
-            <a:ext cx="6750354" cy="6188605"/>
-          </a:xfrm>
-          <a:prstGeom prst="rect">
-            <a:avLst/>
-          </a:prstGeom>
-          <a:ln w="12700">
-            <a:miter lim="400000"/>
-          </a:ln>
-        </p:spPr>
-      </p:pic>
-      <p:pic>
-        <p:nvPicPr>
-          <p:cNvPr id="249" name="2.png" descr="2.png"/>
-          <p:cNvPicPr>
-            <a:picLocks noChangeAspect="1"/>
-          </p:cNvPicPr>
-          <p:nvPr/>
-        </p:nvPicPr>
-        <p:blipFill>
-          <a:blip r:embed="rId3">
-            <a:extLst/>
-          </a:blip>
-          <a:stretch>
-            <a:fillRect/>
-          </a:stretch>
-        </p:blipFill>
-        <p:spPr>
-          <a:xfrm>
-            <a:off x="2895600" y="6629148"/>
-            <a:ext cx="6750353" cy="2641852"/>
-          </a:xfrm>
-          <a:prstGeom prst="rect">
-            <a:avLst/>
-          </a:prstGeom>
-          <a:ln w="12700">
-            <a:miter lim="400000"/>
-          </a:ln>
-        </p:spPr>
-      </p:pic>
+      <p:sp>
+        <p:nvSpPr>
+          <p:cNvPr id="248" name="align-items"/>
+          <p:cNvSpPr txBox="1"/>
+          <p:nvPr>
+            <p:ph type="title"/>
+          </p:nvPr>
+        </p:nvSpPr>
+        <p:spPr>
+          <a:prstGeom prst="rect">
+            <a:avLst/>
+          </a:prstGeom>
+        </p:spPr>
+        <p:txBody>
+          <a:bodyPr/>
+          <a:lstStyle/>
+          <a:p>
+            <a:pPr/>
+            <a:r>
+              <a:t>align-items</a:t>
+            </a:r>
+          </a:p>
+        </p:txBody>
+      </p:sp>
+      <p:sp>
+        <p:nvSpPr>
+          <p:cNvPr id="249" name="子元素 在交叉轴方向的对齐方式…"/>
+          <p:cNvSpPr txBox="1"/>
+          <p:nvPr>
+            <p:ph type="body" idx="1"/>
+          </p:nvPr>
+        </p:nvSpPr>
+        <p:spPr>
+          <a:prstGeom prst="rect">
+            <a:avLst/>
+          </a:prstGeom>
+        </p:spPr>
+        <p:txBody>
+          <a:bodyPr/>
+          <a:lstStyle/>
+          <a:p>
+            <a:pPr/>
+            <a:r>
+              <a:t>子元素 在交叉轴方向的对齐方式</a:t>
+            </a:r>
+          </a:p>
+          <a:p>
+            <a:pPr/>
+            <a:r>
+              <a:t> </a:t>
+            </a:r>
+            <a:r>
+              <a:rPr>
+                <a:latin typeface="Helvetica"/>
+                <a:ea typeface="Helvetica"/>
+                <a:cs typeface="Helvetica"/>
+                <a:sym typeface="Helvetica"/>
+              </a:rPr>
+              <a:t>取值：</a:t>
+            </a:r>
+            <a:r>
+              <a:t>flex-start | flex-end | center | baseline | stretch</a:t>
+            </a:r>
+          </a:p>
+          <a:p>
+            <a:pPr/>
+            <a:r>
+              <a:t>默认值 stretch</a:t>
+            </a:r>
+          </a:p>
+        </p:txBody>
+      </p:sp>
     </p:spTree>
   </p:cSld>
   <p:clrMapOvr>
@@ -5012,65 +5022,64 @@
           <a:chExt cx="0" cy="0"/>
         </a:xfrm>
       </p:grpSpPr>
-      <p:sp>
-        <p:nvSpPr>
-          <p:cNvPr id="251" name="align-content"/>
-          <p:cNvSpPr txBox="1"/>
-          <p:nvPr>
-            <p:ph type="title"/>
-          </p:nvPr>
-        </p:nvSpPr>
-        <p:spPr>
-          <a:prstGeom prst="rect">
-            <a:avLst/>
-          </a:prstGeom>
-        </p:spPr>
-        <p:txBody>
-          <a:bodyPr/>
-          <a:lstStyle/>
-          <a:p>
-            <a:pPr/>
-            <a:r>
-              <a:t>align-content</a:t>
-            </a:r>
-          </a:p>
-        </p:txBody>
-      </p:sp>
-      <p:sp>
-        <p:nvSpPr>
-          <p:cNvPr id="252" name="取值：flex-start | flex-end | center | space-between | space-around | stretch"/>
-          <p:cNvSpPr txBox="1"/>
-          <p:nvPr>
-            <p:ph type="body" idx="1"/>
-          </p:nvPr>
-        </p:nvSpPr>
-        <p:spPr>
-          <a:prstGeom prst="rect">
-            <a:avLst/>
-          </a:prstGeom>
-        </p:spPr>
-        <p:txBody>
-          <a:bodyPr/>
-          <a:lstStyle/>
-          <a:p>
-            <a:pPr/>
-            <a:r>
-              <a:t>取值：flex-start | flex-</a:t>
-            </a:r>
-            <a:r>
-              <a:rPr>
-                <a:solidFill>
-                  <a:srgbClr val="4FC1E9"/>
-                </a:solidFill>
-              </a:rPr>
-              <a:t>end</a:t>
-            </a:r>
-            <a:r>
-              <a:t> | center | space-between | space-around | stretch</a:t>
-            </a:r>
-          </a:p>
-        </p:txBody>
-      </p:sp>
+      <p:pic>
+        <p:nvPicPr>
+          <p:cNvPr id="251" name="1.png" descr="1.png"/>
+          <p:cNvPicPr>
+            <a:picLocks noChangeAspect="1"/>
+          </p:cNvPicPr>
+          <p:nvPr/>
+        </p:nvPicPr>
+        <p:blipFill>
+          <a:blip r:embed="rId2">
+            <a:extLst/>
+          </a:blip>
+          <a:stretch>
+            <a:fillRect/>
+          </a:stretch>
+        </p:blipFill>
+        <p:spPr>
+          <a:xfrm>
+            <a:off x="2874326" y="453140"/>
+            <a:ext cx="6750354" cy="6188605"/>
+          </a:xfrm>
+          <a:prstGeom prst="rect">
+            <a:avLst/>
+          </a:prstGeom>
+          <a:ln w="12700">
+            <a:miter lim="400000"/>
+          </a:ln>
+        </p:spPr>
+      </p:pic>
+      <p:pic>
+        <p:nvPicPr>
+          <p:cNvPr id="252" name="2.png" descr="2.png"/>
+          <p:cNvPicPr>
+            <a:picLocks noChangeAspect="1"/>
+          </p:cNvPicPr>
+          <p:nvPr/>
+        </p:nvPicPr>
+        <p:blipFill>
+          <a:blip r:embed="rId3">
+            <a:extLst/>
+          </a:blip>
+          <a:stretch>
+            <a:fillRect/>
+          </a:stretch>
+        </p:blipFill>
+        <p:spPr>
+          <a:xfrm>
+            <a:off x="2895600" y="6629148"/>
+            <a:ext cx="6750353" cy="2641852"/>
+          </a:xfrm>
+          <a:prstGeom prst="rect">
+            <a:avLst/>
+          </a:prstGeom>
+          <a:ln w="12700">
+            <a:miter lim="400000"/>
+          </a:ln>
+        </p:spPr>
+      </p:pic>
     </p:spTree>
   </p:cSld>
   <p:clrMapOvr>
@@ -5099,7 +5108,7 @@
       </p:grpSpPr>
       <p:sp>
         <p:nvSpPr>
-          <p:cNvPr id="254" name="子项属性"/>
+          <p:cNvPr id="254" name="align-content"/>
           <p:cNvSpPr txBox="1"/>
           <p:nvPr>
             <p:ph type="title"/>
@@ -5116,14 +5125,14 @@
           <a:p>
             <a:pPr/>
             <a:r>
-              <a:t>子项属性</a:t>
-            </a:r>
-          </a:p>
-        </p:txBody>
-      </p:sp>
-      <p:sp>
-        <p:nvSpPr>
-          <p:cNvPr id="255" name="order…"/>
+              <a:t>align-content</a:t>
+            </a:r>
+          </a:p>
+        </p:txBody>
+      </p:sp>
+      <p:sp>
+        <p:nvSpPr>
+          <p:cNvPr id="255" name="取值：flex-start | flex-end | center | space-between | space-around | stretch"/>
           <p:cNvSpPr txBox="1"/>
           <p:nvPr>
             <p:ph type="body" idx="1"/>
@@ -5140,37 +5149,18 @@
           <a:p>
             <a:pPr/>
             <a:r>
-              <a:t>order</a:t>
-            </a:r>
-          </a:p>
-          <a:p>
-            <a:pPr/>
-            <a:r>
-              <a:t>flex-grow</a:t>
-            </a:r>
-          </a:p>
-          <a:p>
-            <a:pPr/>
-            <a:r>
-              <a:t>flex-shrink</a:t>
-            </a:r>
-          </a:p>
-          <a:p>
-            <a:pPr/>
-            <a:r>
-              <a:t>flex-basis</a:t>
-            </a:r>
-          </a:p>
-          <a:p>
-            <a:pPr/>
-            <a:r>
-              <a:t>flex 简写</a:t>
-            </a:r>
-          </a:p>
-          <a:p>
-            <a:pPr/>
-            <a:r>
-              <a:t>align-self</a:t>
+              <a:t>取值：flex-start | flex-</a:t>
+            </a:r>
+            <a:r>
+              <a:rPr>
+                <a:solidFill>
+                  <a:srgbClr val="4FC1E9"/>
+                </a:solidFill>
+              </a:rPr>
+              <a:t>end</a:t>
+            </a:r>
+            <a:r>
+              <a:t> | center | space-between | space-around | stretch</a:t>
             </a:r>
           </a:p>
         </p:txBody>
@@ -5203,7 +5193,7 @@
       </p:grpSpPr>
       <p:sp>
         <p:nvSpPr>
-          <p:cNvPr id="257" name="Order"/>
+          <p:cNvPr id="257" name="子项属性"/>
           <p:cNvSpPr txBox="1"/>
           <p:nvPr>
             <p:ph type="title"/>
@@ -5220,14 +5210,14 @@
           <a:p>
             <a:pPr/>
             <a:r>
-              <a:t>Order</a:t>
-            </a:r>
-          </a:p>
-        </p:txBody>
-      </p:sp>
-      <p:sp>
-        <p:nvSpPr>
-          <p:cNvPr id="258" name="控制子元素的显示顺序…"/>
+              <a:t>子项属性</a:t>
+            </a:r>
+          </a:p>
+        </p:txBody>
+      </p:sp>
+      <p:sp>
+        <p:nvSpPr>
+          <p:cNvPr id="258" name="order…"/>
           <p:cNvSpPr txBox="1"/>
           <p:nvPr>
             <p:ph type="body" idx="1"/>
@@ -5244,19 +5234,37 @@
           <a:p>
             <a:pPr/>
             <a:r>
-              <a:t>控制子元素的显示顺序</a:t>
-            </a:r>
-          </a:p>
-          <a:p>
-            <a:pPr/>
-            <a:r>
-              <a:t>取值：&lt;integer&gt;</a:t>
-            </a:r>
-          </a:p>
-          <a:p>
-            <a:pPr/>
-            <a:r>
-              <a:t>默认值：0</a:t>
+              <a:t>order</a:t>
+            </a:r>
+          </a:p>
+          <a:p>
+            <a:pPr/>
+            <a:r>
+              <a:t>flex-grow</a:t>
+            </a:r>
+          </a:p>
+          <a:p>
+            <a:pPr/>
+            <a:r>
+              <a:t>flex-shrink</a:t>
+            </a:r>
+          </a:p>
+          <a:p>
+            <a:pPr/>
+            <a:r>
+              <a:t>flex-basis</a:t>
+            </a:r>
+          </a:p>
+          <a:p>
+            <a:pPr/>
+            <a:r>
+              <a:t>flex 简写</a:t>
+            </a:r>
+          </a:p>
+          <a:p>
+            <a:pPr/>
+            <a:r>
+              <a:t>align-self</a:t>
             </a:r>
           </a:p>
         </p:txBody>
@@ -5369,7 +5377,7 @@
       </p:grpSpPr>
       <p:sp>
         <p:nvSpPr>
-          <p:cNvPr id="260" name="flex-grow"/>
+          <p:cNvPr id="260" name="Order"/>
           <p:cNvSpPr txBox="1"/>
           <p:nvPr>
             <p:ph type="title"/>
@@ -5386,14 +5394,14 @@
           <a:p>
             <a:pPr/>
             <a:r>
-              <a:t>flex-grow</a:t>
-            </a:r>
-          </a:p>
-        </p:txBody>
-      </p:sp>
-      <p:sp>
-        <p:nvSpPr>
-          <p:cNvPr id="261" name="剩余空间放大比例…"/>
+              <a:t>Order</a:t>
+            </a:r>
+          </a:p>
+        </p:txBody>
+      </p:sp>
+      <p:sp>
+        <p:nvSpPr>
+          <p:cNvPr id="261" name="控制子元素的显示顺序…"/>
           <p:cNvSpPr txBox="1"/>
           <p:nvPr>
             <p:ph type="body" idx="1"/>
@@ -5410,19 +5418,19 @@
           <a:p>
             <a:pPr/>
             <a:r>
-              <a:t>剩余空间放大比例</a:t>
-            </a:r>
-          </a:p>
-          <a:p>
-            <a:pPr/>
-            <a:r>
-              <a:t>取值：&lt;number&gt;</a:t>
-            </a:r>
-          </a:p>
-          <a:p>
-            <a:pPr/>
-            <a:r>
-              <a:t>默认值为 0</a:t>
+              <a:t>控制子元素的显示顺序</a:t>
+            </a:r>
+          </a:p>
+          <a:p>
+            <a:pPr/>
+            <a:r>
+              <a:t>取值：&lt;integer&gt;</a:t>
+            </a:r>
+          </a:p>
+          <a:p>
+            <a:pPr/>
+            <a:r>
+              <a:t>默认值：0</a:t>
             </a:r>
           </a:p>
         </p:txBody>
@@ -5455,7 +5463,7 @@
       </p:grpSpPr>
       <p:sp>
         <p:nvSpPr>
-          <p:cNvPr id="263" name="flex-shrink"/>
+          <p:cNvPr id="263" name="flex-grow"/>
           <p:cNvSpPr txBox="1"/>
           <p:nvPr>
             <p:ph type="title"/>
@@ -5472,14 +5480,14 @@
           <a:p>
             <a:pPr/>
             <a:r>
-              <a:t>flex-shrink</a:t>
-            </a:r>
-          </a:p>
-        </p:txBody>
-      </p:sp>
-      <p:sp>
-        <p:nvSpPr>
-          <p:cNvPr id="264" name="剩余空间缩小比例…"/>
+              <a:t>flex-grow</a:t>
+            </a:r>
+          </a:p>
+        </p:txBody>
+      </p:sp>
+      <p:sp>
+        <p:nvSpPr>
+          <p:cNvPr id="264" name="剩余空间放大比例…"/>
           <p:cNvSpPr txBox="1"/>
           <p:nvPr>
             <p:ph type="body" idx="1"/>
@@ -5496,7 +5504,7 @@
           <a:p>
             <a:pPr/>
             <a:r>
-              <a:t>剩余空间缩小比例</a:t>
+              <a:t>剩余空间放大比例</a:t>
             </a:r>
           </a:p>
           <a:p>
@@ -5508,13 +5516,7 @@
           <a:p>
             <a:pPr/>
             <a:r>
-              <a:t>默认值：1</a:t>
-            </a:r>
-          </a:p>
-          <a:p>
-            <a:pPr/>
-            <a:r>
-              <a:t>负值无效</a:t>
+              <a:t>默认值为 0</a:t>
             </a:r>
           </a:p>
         </p:txBody>
@@ -5547,7 +5549,7 @@
       </p:grpSpPr>
       <p:sp>
         <p:nvSpPr>
-          <p:cNvPr id="266" name="flex-basis"/>
+          <p:cNvPr id="266" name="flex-shrink"/>
           <p:cNvSpPr txBox="1"/>
           <p:nvPr>
             <p:ph type="title"/>
@@ -5564,14 +5566,14 @@
           <a:p>
             <a:pPr/>
             <a:r>
-              <a:t>flex-basis</a:t>
-            </a:r>
-          </a:p>
-        </p:txBody>
-      </p:sp>
-      <p:sp>
-        <p:nvSpPr>
-          <p:cNvPr id="267" name="子元素 占主轴的空间…"/>
+              <a:t>flex-shrink</a:t>
+            </a:r>
+          </a:p>
+        </p:txBody>
+      </p:sp>
+      <p:sp>
+        <p:nvSpPr>
+          <p:cNvPr id="267" name="剩余空间缩小比例…"/>
           <p:cNvSpPr txBox="1"/>
           <p:nvPr>
             <p:ph type="body" idx="1"/>
@@ -5588,62 +5590,25 @@
           <a:p>
             <a:pPr/>
             <a:r>
-              <a:t>子元素 占主轴的空间</a:t>
-            </a:r>
-          </a:p>
-          <a:p>
-            <a:pPr/>
-            <a:r>
-              <a:t>取值：</a:t>
-            </a:r>
-            <a:r>
-              <a:rPr>
-                <a:solidFill>
-                  <a:srgbClr val="FFCE54"/>
-                </a:solidFill>
-              </a:rPr>
-              <a:t>&lt;length&gt;</a:t>
-            </a:r>
-            <a:r>
-              <a:rPr>
-                <a:solidFill>
-                  <a:srgbClr val="E6E9ED"/>
-                </a:solidFill>
-              </a:rPr>
-              <a:t> | </a:t>
-            </a:r>
-            <a:r>
-              <a:rPr>
-                <a:solidFill>
-                  <a:srgbClr val="4FC1E9"/>
-                </a:solidFill>
-              </a:rPr>
-              <a:t>auto</a:t>
-            </a:r>
-            <a:r>
-              <a:rPr>
-                <a:solidFill>
-                  <a:srgbClr val="E6E9ED"/>
-                </a:solidFill>
-              </a:rPr>
-              <a:t>;</a:t>
-            </a:r>
-            <a:endParaRPr>
-              <a:solidFill>
-                <a:srgbClr val="E6E9ED"/>
-              </a:solidFill>
-            </a:endParaRPr>
-          </a:p>
-          <a:p>
-            <a:pPr>
-              <a:defRPr>
-                <a:solidFill>
-                  <a:srgbClr val="E6E9ED"/>
-                </a:solidFill>
-              </a:defRPr>
-            </a:pPr>
-            <a:r>
-              <a:t>默认值： auto</a:t>
+              <a:t>剩余空间缩小比例</a:t>
+            </a:r>
+          </a:p>
+          <a:p>
+            <a:pPr/>
+            <a:r>
+              <a:t>取值：&lt;number&gt;</a:t>
+            </a:r>
+          </a:p>
+          <a:p>
+            <a:pPr/>
+            <a:r>
+              <a:t>默认值：1</a:t>
+            </a:r>
+          </a:p>
+          <a:p>
+            <a:pPr/>
+            <a:r>
+              <a:t>负值无效</a:t>
             </a:r>
           </a:p>
         </p:txBody>
@@ -5676,7 +5641,7 @@
       </p:grpSpPr>
       <p:sp>
         <p:nvSpPr>
-          <p:cNvPr id="269" name="flex"/>
+          <p:cNvPr id="269" name="flex-basis"/>
           <p:cNvSpPr txBox="1"/>
           <p:nvPr>
             <p:ph type="title"/>
@@ -5693,14 +5658,14 @@
           <a:p>
             <a:pPr/>
             <a:r>
-              <a:t>flex</a:t>
-            </a:r>
-          </a:p>
-        </p:txBody>
-      </p:sp>
-      <p:sp>
-        <p:nvSpPr>
-          <p:cNvPr id="270" name="flex-grow、flex-shrink、flex-basis 三个属性的缩写…"/>
+              <a:t>flex-basis</a:t>
+            </a:r>
+          </a:p>
+        </p:txBody>
+      </p:sp>
+      <p:sp>
+        <p:nvSpPr>
+          <p:cNvPr id="270" name="子元素 占主轴的空间…"/>
           <p:cNvSpPr txBox="1"/>
           <p:nvPr>
             <p:ph type="body" idx="1"/>
@@ -5717,13 +5682,62 @@
           <a:p>
             <a:pPr/>
             <a:r>
-              <a:t> flex-grow、flex-shrink、flex-basis 三个属性的缩写</a:t>
-            </a:r>
-          </a:p>
-          <a:p>
-            <a:pPr/>
-            <a:r>
-              <a:t>默认值： 0 1 auto</a:t>
+              <a:t>子元素 占主轴的空间</a:t>
+            </a:r>
+          </a:p>
+          <a:p>
+            <a:pPr/>
+            <a:r>
+              <a:t>取值：</a:t>
+            </a:r>
+            <a:r>
+              <a:rPr>
+                <a:solidFill>
+                  <a:srgbClr val="FFCE54"/>
+                </a:solidFill>
+              </a:rPr>
+              <a:t>&lt;length&gt;</a:t>
+            </a:r>
+            <a:r>
+              <a:rPr>
+                <a:solidFill>
+                  <a:srgbClr val="E6E9ED"/>
+                </a:solidFill>
+              </a:rPr>
+              <a:t> | </a:t>
+            </a:r>
+            <a:r>
+              <a:rPr>
+                <a:solidFill>
+                  <a:srgbClr val="4FC1E9"/>
+                </a:solidFill>
+              </a:rPr>
+              <a:t>auto</a:t>
+            </a:r>
+            <a:r>
+              <a:rPr>
+                <a:solidFill>
+                  <a:srgbClr val="E6E9ED"/>
+                </a:solidFill>
+              </a:rPr>
+              <a:t>;</a:t>
+            </a:r>
+            <a:endParaRPr>
+              <a:solidFill>
+                <a:srgbClr val="E6E9ED"/>
+              </a:solidFill>
+            </a:endParaRPr>
+          </a:p>
+          <a:p>
+            <a:pPr>
+              <a:defRPr>
+                <a:solidFill>
+                  <a:srgbClr val="E6E9ED"/>
+                </a:solidFill>
+              </a:defRPr>
+            </a:pPr>
+            <a:r>
+              <a:t>默认值： auto</a:t>
             </a:r>
           </a:p>
         </p:txBody>
@@ -5756,7 +5770,7 @@
       </p:grpSpPr>
       <p:sp>
         <p:nvSpPr>
-          <p:cNvPr id="272" name="align-self"/>
+          <p:cNvPr id="272" name="flex"/>
           <p:cNvSpPr txBox="1"/>
           <p:nvPr>
             <p:ph type="title"/>
@@ -5773,14 +5787,14 @@
           <a:p>
             <a:pPr/>
             <a:r>
-              <a:t>align-self</a:t>
-            </a:r>
-          </a:p>
-        </p:txBody>
-      </p:sp>
-      <p:sp>
-        <p:nvSpPr>
-          <p:cNvPr id="273" name="子元素的对齐方式…"/>
+              <a:t>flex</a:t>
+            </a:r>
+          </a:p>
+        </p:txBody>
+      </p:sp>
+      <p:sp>
+        <p:nvSpPr>
+          <p:cNvPr id="273" name="flex-grow、flex-shrink、flex-basis 三个属性的缩写…"/>
           <p:cNvSpPr txBox="1"/>
           <p:nvPr>
             <p:ph type="body" idx="1"/>
@@ -5797,13 +5811,13 @@
           <a:p>
             <a:pPr/>
             <a:r>
-              <a:t>子元素的对齐方式</a:t>
-            </a:r>
-          </a:p>
-          <a:p>
-            <a:pPr/>
-            <a:r>
-              <a:t>覆盖 align-items</a:t>
+              <a:t> flex-grow、flex-shrink、flex-basis 三个属性的缩写</a:t>
+            </a:r>
+          </a:p>
+          <a:p>
+            <a:pPr/>
+            <a:r>
+              <a:t>默认值： 0 1 auto</a:t>
             </a:r>
           </a:p>
         </p:txBody>
@@ -5836,7 +5850,143 @@
       </p:grpSpPr>
       <p:sp>
         <p:nvSpPr>
-          <p:cNvPr id="275" name="感谢 :)"/>
+          <p:cNvPr id="275" name="align-self"/>
+          <p:cNvSpPr txBox="1"/>
+          <p:nvPr>
+            <p:ph type="title"/>
+          </p:nvPr>
+        </p:nvSpPr>
+        <p:spPr>
+          <a:prstGeom prst="rect">
+            <a:avLst/>
+          </a:prstGeom>
+        </p:spPr>
+        <p:txBody>
+          <a:bodyPr/>
+          <a:lstStyle/>
+          <a:p>
+            <a:pPr/>
+            <a:r>
+              <a:t>align-self</a:t>
+            </a:r>
+          </a:p>
+        </p:txBody>
+      </p:sp>
+      <p:sp>
+        <p:nvSpPr>
+          <p:cNvPr id="276" name="子元素的对齐方式…"/>
+          <p:cNvSpPr txBox="1"/>
+          <p:nvPr>
+            <p:ph type="body" idx="1"/>
+          </p:nvPr>
+        </p:nvSpPr>
+        <p:spPr>
+          <a:prstGeom prst="rect">
+            <a:avLst/>
+          </a:prstGeom>
+        </p:spPr>
+        <p:txBody>
+          <a:bodyPr/>
+          <a:lstStyle/>
+          <a:p>
+            <a:pPr/>
+            <a:r>
+              <a:t>子元素的对齐方式</a:t>
+            </a:r>
+          </a:p>
+          <a:p>
+            <a:pPr/>
+            <a:r>
+              <a:t>覆盖 align-items</a:t>
+            </a:r>
+          </a:p>
+        </p:txBody>
+      </p:sp>
+    </p:spTree>
+  </p:cSld>
+  <p:clrMapOvr>
+    <a:masterClrMapping/>
+  </p:clrMapOvr>
+  <p:transition xmlns:p14="http://schemas.microsoft.com/office/powerpoint/2010/main" spd="med" advClick="1"/>
+</p:sld>
+</file>
+
+<file path=ppt/slides/slide36.xml><?xml version="1.0" encoding="utf-8"?>
+<p:sld xmlns:a="http://schemas.openxmlformats.org/drawingml/2006/main" xmlns:r="http://schemas.openxmlformats.org/officeDocument/2006/relationships" xmlns:p="http://schemas.openxmlformats.org/presentationml/2006/main" xmlns:m="http://schemas.openxmlformats.org/officeDocument/2006/math" xmlns:a14="http://schemas.microsoft.com/office/drawing/2010/main" showMasterSp="1" showMasterPhAnim="1">
+  <p:cSld>
+    <p:spTree>
+      <p:nvGrpSpPr>
+        <p:cNvPr id="1" name=""/>
+        <p:cNvGrpSpPr/>
+        <p:nvPr/>
+      </p:nvGrpSpPr>
+      <p:grpSpPr>
+        <a:xfrm>
+          <a:off x="0" y="0"/>
+          <a:ext cx="0" cy="0"/>
+          <a:chOff x="0" y="0"/>
+          <a:chExt cx="0" cy="0"/>
+        </a:xfrm>
+      </p:grpSpPr>
+      <p:sp>
+        <p:nvSpPr>
+          <p:cNvPr id="278" name="Flex 小游戏 http://flexboxfroggy.com/#zh-cn"/>
+          <p:cNvSpPr txBox="1"/>
+          <p:nvPr>
+            <p:ph type="body" idx="1"/>
+          </p:nvPr>
+        </p:nvSpPr>
+        <p:spPr>
+          <a:prstGeom prst="rect">
+            <a:avLst/>
+          </a:prstGeom>
+        </p:spPr>
+        <p:txBody>
+          <a:bodyPr/>
+          <a:lstStyle/>
+          <a:p>
+            <a:pPr/>
+            <a:r>
+              <a:t>Flex 小游戏 </a:t>
+            </a:r>
+            <a:r>
+              <a:rPr u="sng">
+                <a:hlinkClick r:id="rId2" invalidUrl="" action="" tgtFrame="" tooltip="" history="1" highlightClick="0" endSnd="0"/>
+              </a:rPr>
+              <a:t>http://flexboxfroggy.com/#zh-cn</a:t>
+            </a:r>
+          </a:p>
+        </p:txBody>
+      </p:sp>
+    </p:spTree>
+  </p:cSld>
+  <p:clrMapOvr>
+    <a:masterClrMapping/>
+  </p:clrMapOvr>
+  <p:transition xmlns:p14="http://schemas.microsoft.com/office/powerpoint/2010/main" spd="med" advClick="1"/>
+</p:sld>
+</file>
+
+<file path=ppt/slides/slide37.xml><?xml version="1.0" encoding="utf-8"?>
+<p:sld xmlns:a="http://schemas.openxmlformats.org/drawingml/2006/main" xmlns:r="http://schemas.openxmlformats.org/officeDocument/2006/relationships" xmlns:p="http://schemas.openxmlformats.org/presentationml/2006/main" xmlns:m="http://schemas.openxmlformats.org/officeDocument/2006/math" xmlns:a14="http://schemas.microsoft.com/office/drawing/2010/main" showMasterSp="1" showMasterPhAnim="1">
+  <p:cSld>
+    <p:spTree>
+      <p:nvGrpSpPr>
+        <p:cNvPr id="1" name=""/>
+        <p:cNvGrpSpPr/>
+        <p:nvPr/>
+      </p:nvGrpSpPr>
+      <p:grpSpPr>
+        <a:xfrm>
+          <a:off x="0" y="0"/>
+          <a:ext cx="0" cy="0"/>
+          <a:chOff x="0" y="0"/>
+          <a:chExt cx="0" cy="0"/>
+        </a:xfrm>
+      </p:grpSpPr>
+      <p:sp>
+        <p:nvSpPr>
+          <p:cNvPr id="280" name="感谢 :)"/>
           <p:cNvSpPr txBox="1"/>
           <p:nvPr>
             <p:ph type="title"/>
